--- a/SyriaTel Telecom Company Churn Analysis and Prediction.pptx
+++ b/SyriaTel Telecom Company Churn Analysis and Prediction.pptx
@@ -121,6 +121,11 @@
       </a:defRPr>
     </a:lvl9pPr>
   </p:defaultTextStyle>
+  <p:extLst>
+    <p:ext uri="{EFAFB233-063F-42B5-8137-9DF3F51BA10A}">
+      <p15:sldGuideLst xmlns:p15="http://schemas.microsoft.com/office/powerpoint/2012/main"/>
+    </p:ext>
+  </p:extLst>
 </p:presentation>
 </file>
 
@@ -273,7 +278,7 @@
           <a:p>
             <a:fld id="{FBA4A601-DA89-44B6-A19A-85709A1BA083}" type="datetimeFigureOut">
               <a:rPr lang="en-KE" smtClean="0"/>
-              <a:t>22/05/2023</a:t>
+              <a:t>23/05/2023</a:t>
             </a:fld>
             <a:endParaRPr lang="en-KE"/>
           </a:p>
@@ -473,7 +478,7 @@
           <a:p>
             <a:fld id="{FBA4A601-DA89-44B6-A19A-85709A1BA083}" type="datetimeFigureOut">
               <a:rPr lang="en-KE" smtClean="0"/>
-              <a:t>22/05/2023</a:t>
+              <a:t>23/05/2023</a:t>
             </a:fld>
             <a:endParaRPr lang="en-KE"/>
           </a:p>
@@ -683,7 +688,7 @@
           <a:p>
             <a:fld id="{FBA4A601-DA89-44B6-A19A-85709A1BA083}" type="datetimeFigureOut">
               <a:rPr lang="en-KE" smtClean="0"/>
-              <a:t>22/05/2023</a:t>
+              <a:t>23/05/2023</a:t>
             </a:fld>
             <a:endParaRPr lang="en-KE"/>
           </a:p>
@@ -883,7 +888,7 @@
           <a:p>
             <a:fld id="{FBA4A601-DA89-44B6-A19A-85709A1BA083}" type="datetimeFigureOut">
               <a:rPr lang="en-KE" smtClean="0"/>
-              <a:t>22/05/2023</a:t>
+              <a:t>23/05/2023</a:t>
             </a:fld>
             <a:endParaRPr lang="en-KE"/>
           </a:p>
@@ -1159,7 +1164,7 @@
           <a:p>
             <a:fld id="{FBA4A601-DA89-44B6-A19A-85709A1BA083}" type="datetimeFigureOut">
               <a:rPr lang="en-KE" smtClean="0"/>
-              <a:t>22/05/2023</a:t>
+              <a:t>23/05/2023</a:t>
             </a:fld>
             <a:endParaRPr lang="en-KE"/>
           </a:p>
@@ -1427,7 +1432,7 @@
           <a:p>
             <a:fld id="{FBA4A601-DA89-44B6-A19A-85709A1BA083}" type="datetimeFigureOut">
               <a:rPr lang="en-KE" smtClean="0"/>
-              <a:t>22/05/2023</a:t>
+              <a:t>23/05/2023</a:t>
             </a:fld>
             <a:endParaRPr lang="en-KE"/>
           </a:p>
@@ -1842,7 +1847,7 @@
           <a:p>
             <a:fld id="{FBA4A601-DA89-44B6-A19A-85709A1BA083}" type="datetimeFigureOut">
               <a:rPr lang="en-KE" smtClean="0"/>
-              <a:t>22/05/2023</a:t>
+              <a:t>23/05/2023</a:t>
             </a:fld>
             <a:endParaRPr lang="en-KE"/>
           </a:p>
@@ -1984,7 +1989,7 @@
           <a:p>
             <a:fld id="{FBA4A601-DA89-44B6-A19A-85709A1BA083}" type="datetimeFigureOut">
               <a:rPr lang="en-KE" smtClean="0"/>
-              <a:t>22/05/2023</a:t>
+              <a:t>23/05/2023</a:t>
             </a:fld>
             <a:endParaRPr lang="en-KE"/>
           </a:p>
@@ -2097,7 +2102,7 @@
           <a:p>
             <a:fld id="{FBA4A601-DA89-44B6-A19A-85709A1BA083}" type="datetimeFigureOut">
               <a:rPr lang="en-KE" smtClean="0"/>
-              <a:t>22/05/2023</a:t>
+              <a:t>23/05/2023</a:t>
             </a:fld>
             <a:endParaRPr lang="en-KE"/>
           </a:p>
@@ -2410,7 +2415,7 @@
           <a:p>
             <a:fld id="{FBA4A601-DA89-44B6-A19A-85709A1BA083}" type="datetimeFigureOut">
               <a:rPr lang="en-KE" smtClean="0"/>
-              <a:t>22/05/2023</a:t>
+              <a:t>23/05/2023</a:t>
             </a:fld>
             <a:endParaRPr lang="en-KE"/>
           </a:p>
@@ -2699,7 +2704,7 @@
           <a:p>
             <a:fld id="{FBA4A601-DA89-44B6-A19A-85709A1BA083}" type="datetimeFigureOut">
               <a:rPr lang="en-KE" smtClean="0"/>
-              <a:t>22/05/2023</a:t>
+              <a:t>23/05/2023</a:t>
             </a:fld>
             <a:endParaRPr lang="en-KE"/>
           </a:p>
@@ -2942,7 +2947,7 @@
           <a:p>
             <a:fld id="{FBA4A601-DA89-44B6-A19A-85709A1BA083}" type="datetimeFigureOut">
               <a:rPr lang="en-KE" smtClean="0"/>
-              <a:t>22/05/2023</a:t>
+              <a:t>23/05/2023</a:t>
             </a:fld>
             <a:endParaRPr lang="en-KE"/>
           </a:p>
@@ -4421,15 +4426,7 @@
           <a:p>
             <a:r>
               <a:rPr lang="en-US" dirty="0"/>
-              <a:t>SyriaTel is a telecommunications company that prides itself in offering top-notch services to their customers. They are the leading telecommunications company in their country and want to remain the leader in that particular sphere. Over the years they have chartered </a:t>
-            </a:r>
-            <a:r>
-              <a:rPr lang="en-US" dirty="0" err="1"/>
-              <a:t>alot</a:t>
-            </a:r>
-            <a:r>
-              <a:rPr lang="en-US" dirty="0"/>
-              <a:t> of the strides in technology in their country and want to continue improving.</a:t>
+              <a:t>SyriaTel is a telecommunications company that prides itself in offering top-notch services to their customers. They are the leading telecommunications company in their country and want to remain the leader in that particular sphere. Over the years they have chartered a lot of the strides in technology in their country and want to continue improving.</a:t>
             </a:r>
           </a:p>
           <a:p>
